--- a/2016 04 25 - Materials Informatics FInal - Template.pptx
+++ b/2016 04 25 - Materials Informatics FInal - Template.pptx
@@ -113,6 +113,11 @@
       </a:defRPr>
     </a:lvl9pPr>
   </p:defaultTextStyle>
+  <p:extLst>
+    <p:ext uri="{EFAFB233-063F-42B5-8137-9DF3F51BA10A}">
+      <p15:sldGuideLst xmlns:p15="http://schemas.microsoft.com/office/powerpoint/2012/main"/>
+    </p:ext>
+  </p:extLst>
 </p:presentation>
 </file>
 
@@ -3373,7 +3378,7 @@
       </p:sp>
       <p:sp>
         <p:nvSpPr>
-          <p:cNvPr id="3" name="Content Placeholder 2"/>
+          <p:cNvPr id="6" name="Content Placeholder 5"/>
           <p:cNvSpPr>
             <a:spLocks noGrp="1"/>
           </p:cNvSpPr>
@@ -3443,25 +3448,176 @@
           </a:p>
         </p:txBody>
       </p:sp>
-      <p:sp>
-        <p:nvSpPr>
-          <p:cNvPr id="3" name="Content Placeholder 2"/>
-          <p:cNvSpPr>
-            <a:spLocks noGrp="1"/>
-          </p:cNvSpPr>
+      <p:pic>
+        <p:nvPicPr>
+          <p:cNvPr id="6" name="Content Placeholder 5"/>
+          <p:cNvPicPr>
+            <a:picLocks noGrp="1" noChangeAspect="1"/>
+          </p:cNvPicPr>
           <p:nvPr>
             <p:ph idx="1"/>
           </p:nvPr>
-        </p:nvSpPr>
-        <p:spPr/>
-        <p:txBody>
-          <a:bodyPr/>
-          <a:lstStyle/>
-          <a:p>
-            <a:endParaRPr lang="en-US"/>
-          </a:p>
-        </p:txBody>
-      </p:sp>
+        </p:nvPicPr>
+        <p:blipFill>
+          <a:blip r:embed="rId2"/>
+          <a:stretch>
+            <a:fillRect/>
+          </a:stretch>
+        </p:blipFill>
+        <p:spPr>
+          <a:xfrm>
+            <a:off x="4627591" y="1641480"/>
+            <a:ext cx="2896423" cy="1966912"/>
+          </a:xfrm>
+          <a:prstGeom prst="rect">
+            <a:avLst/>
+          </a:prstGeom>
+        </p:spPr>
+      </p:pic>
+      <p:pic>
+        <p:nvPicPr>
+          <p:cNvPr id="4" name="Content Placeholder 4"/>
+          <p:cNvPicPr>
+            <a:picLocks noChangeAspect="1"/>
+          </p:cNvPicPr>
+          <p:nvPr/>
+        </p:nvPicPr>
+        <p:blipFill>
+          <a:blip r:embed="rId3"/>
+          <a:stretch>
+            <a:fillRect/>
+          </a:stretch>
+        </p:blipFill>
+        <p:spPr>
+          <a:xfrm>
+            <a:off x="786635" y="1641479"/>
+            <a:ext cx="3236691" cy="2323778"/>
+          </a:xfrm>
+          <a:prstGeom prst="rect">
+            <a:avLst/>
+          </a:prstGeom>
+        </p:spPr>
+      </p:pic>
+      <p:pic>
+        <p:nvPicPr>
+          <p:cNvPr id="7" name="Picture 6"/>
+          <p:cNvPicPr>
+            <a:picLocks noChangeAspect="1"/>
+          </p:cNvPicPr>
+          <p:nvPr/>
+        </p:nvPicPr>
+        <p:blipFill>
+          <a:blip r:embed="rId4"/>
+          <a:stretch>
+            <a:fillRect/>
+          </a:stretch>
+        </p:blipFill>
+        <p:spPr>
+          <a:xfrm>
+            <a:off x="8014919" y="1641480"/>
+            <a:ext cx="2896423" cy="1966912"/>
+          </a:xfrm>
+          <a:prstGeom prst="rect">
+            <a:avLst/>
+          </a:prstGeom>
+        </p:spPr>
+      </p:pic>
+      <p:pic>
+        <p:nvPicPr>
+          <p:cNvPr id="9" name="Picture 8"/>
+          <p:cNvPicPr>
+            <a:picLocks noChangeAspect="1"/>
+          </p:cNvPicPr>
+          <p:nvPr/>
+        </p:nvPicPr>
+        <p:blipFill>
+          <a:blip r:embed="rId5"/>
+          <a:stretch>
+            <a:fillRect/>
+          </a:stretch>
+        </p:blipFill>
+        <p:spPr>
+          <a:xfrm>
+            <a:off x="303154" y="4004941"/>
+            <a:ext cx="2896423" cy="1966912"/>
+          </a:xfrm>
+          <a:prstGeom prst="rect">
+            <a:avLst/>
+          </a:prstGeom>
+        </p:spPr>
+      </p:pic>
+      <p:pic>
+        <p:nvPicPr>
+          <p:cNvPr id="10" name="Picture 9"/>
+          <p:cNvPicPr>
+            <a:picLocks noChangeAspect="1"/>
+          </p:cNvPicPr>
+          <p:nvPr/>
+        </p:nvPicPr>
+        <p:blipFill>
+          <a:blip r:embed="rId6"/>
+          <a:stretch>
+            <a:fillRect/>
+          </a:stretch>
+        </p:blipFill>
+        <p:spPr>
+          <a:xfrm>
+            <a:off x="3199577" y="4004941"/>
+            <a:ext cx="2896423" cy="1966912"/>
+          </a:xfrm>
+          <a:prstGeom prst="rect">
+            <a:avLst/>
+          </a:prstGeom>
+        </p:spPr>
+      </p:pic>
+      <p:pic>
+        <p:nvPicPr>
+          <p:cNvPr id="11" name="Picture 10"/>
+          <p:cNvPicPr>
+            <a:picLocks noChangeAspect="1"/>
+          </p:cNvPicPr>
+          <p:nvPr/>
+        </p:nvPicPr>
+        <p:blipFill>
+          <a:blip r:embed="rId7"/>
+          <a:stretch>
+            <a:fillRect/>
+          </a:stretch>
+        </p:blipFill>
+        <p:spPr>
+          <a:xfrm>
+            <a:off x="6096000" y="3985099"/>
+            <a:ext cx="2896423" cy="1966912"/>
+          </a:xfrm>
+          <a:prstGeom prst="rect">
+            <a:avLst/>
+          </a:prstGeom>
+        </p:spPr>
+      </p:pic>
+      <p:pic>
+        <p:nvPicPr>
+          <p:cNvPr id="12" name="Picture 11"/>
+          <p:cNvPicPr>
+            <a:picLocks noChangeAspect="1"/>
+          </p:cNvPicPr>
+          <p:nvPr/>
+        </p:nvPicPr>
+        <p:blipFill>
+          <a:blip r:embed="rId8"/>
+          <a:stretch>
+            <a:fillRect/>
+          </a:stretch>
+        </p:blipFill>
+        <p:spPr>
+          <a:xfrm>
+            <a:off x="8992423" y="3985099"/>
+            <a:ext cx="2896423" cy="1966912"/>
+          </a:xfrm>
+          <a:prstGeom prst="rect">
+            <a:avLst/>
+          </a:prstGeom>
+        </p:spPr>
+      </p:pic>
     </p:spTree>
     <p:extLst>
       <p:ext uri="{BB962C8B-B14F-4D97-AF65-F5344CB8AC3E}">

--- a/2016 04 25 - Materials Informatics FInal - Template.pptx
+++ b/2016 04 25 - Materials Informatics FInal - Template.pptx
@@ -3175,7 +3175,36 @@
           <a:bodyPr/>
           <a:lstStyle/>
           <a:p>
-            <a:endParaRPr lang="en-US"/>
+            <a:r>
+              <a:rPr lang="en-US" dirty="0" smtClean="0"/>
+              <a:t>Background</a:t>
+            </a:r>
+          </a:p>
+          <a:p>
+            <a:r>
+              <a:rPr lang="en-US" dirty="0" smtClean="0"/>
+              <a:t>Datasets</a:t>
+            </a:r>
+            <a:endParaRPr lang="en-US" dirty="0"/>
+          </a:p>
+          <a:p>
+            <a:r>
+              <a:rPr lang="en-US" dirty="0" smtClean="0"/>
+              <a:t>Image Segmentation</a:t>
+            </a:r>
+          </a:p>
+          <a:p>
+            <a:r>
+              <a:rPr lang="en-US" dirty="0" smtClean="0"/>
+              <a:t>Dimensionality Reduction</a:t>
+            </a:r>
+          </a:p>
+          <a:p>
+            <a:r>
+              <a:rPr lang="en-US" dirty="0" smtClean="0"/>
+              <a:t>Conclusions</a:t>
+            </a:r>
+            <a:endParaRPr lang="en-US" dirty="0"/>
           </a:p>
         </p:txBody>
       </p:sp>
